--- a/Paper/Figures.pptx
+++ b/Paper/Figures.pptx
@@ -2971,516 +2971,589 @@
           <a:chExt cx="0" cy="0"/>
         </a:xfrm>
       </p:grpSpPr>
-      <p:pic>
-        <p:nvPicPr>
-          <p:cNvPr id="13" name="Picture 12">
+      <p:grpSp>
+        <p:nvGrpSpPr>
+          <p:cNvPr id="26" name="Group 25">
             <a:extLst>
               <a:ext uri="{FF2B5EF4-FFF2-40B4-BE49-F238E27FC236}">
-                <a16:creationId xmlns:a16="http://schemas.microsoft.com/office/drawing/2014/main" id="{500F9F37-D5B5-556C-E22A-9AE215A40160}"/>
+                <a16:creationId xmlns:a16="http://schemas.microsoft.com/office/drawing/2014/main" id="{0F1B0366-B97B-CF2F-D08D-723648584A76}"/>
               </a:ext>
             </a:extLst>
           </p:cNvPr>
-          <p:cNvPicPr>
-            <a:picLocks noChangeAspect="1"/>
-          </p:cNvPicPr>
+          <p:cNvGrpSpPr/>
           <p:nvPr/>
-        </p:nvPicPr>
-        <p:blipFill>
-          <a:blip r:embed="rId2"/>
-          <a:stretch>
-            <a:fillRect/>
-          </a:stretch>
-        </p:blipFill>
-        <p:spPr>
+        </p:nvGrpSpPr>
+        <p:grpSpPr>
           <a:xfrm>
-            <a:off x="18407210" y="15087005"/>
-            <a:ext cx="6617040" cy="4635738"/>
+            <a:off x="2407750" y="1709530"/>
+            <a:ext cx="22917154" cy="18094852"/>
+            <a:chOff x="2407750" y="1709530"/>
+            <a:chExt cx="22917154" cy="18094852"/>
           </a:xfrm>
-          <a:prstGeom prst="rect">
-            <a:avLst/>
-          </a:prstGeom>
-        </p:spPr>
-      </p:pic>
-      <p:pic>
-        <p:nvPicPr>
-          <p:cNvPr id="7" name="Picture 6">
-            <a:extLst>
-              <a:ext uri="{FF2B5EF4-FFF2-40B4-BE49-F238E27FC236}">
-                <a16:creationId xmlns:a16="http://schemas.microsoft.com/office/drawing/2014/main" id="{DBB0109D-760A-5453-77BF-F44E2B06317D}"/>
-              </a:ext>
-            </a:extLst>
-          </p:cNvPr>
-          <p:cNvPicPr>
-            <a:picLocks noChangeAspect="1"/>
-          </p:cNvPicPr>
-          <p:nvPr/>
-        </p:nvPicPr>
-        <p:blipFill>
-          <a:blip r:embed="rId2"/>
-          <a:stretch>
-            <a:fillRect/>
-          </a:stretch>
-        </p:blipFill>
-        <p:spPr>
-          <a:xfrm>
-            <a:off x="2519529" y="15087005"/>
-            <a:ext cx="6617040" cy="4635738"/>
-          </a:xfrm>
-          <a:prstGeom prst="rect">
-            <a:avLst/>
-          </a:prstGeom>
-        </p:spPr>
-      </p:pic>
-      <p:sp>
-        <p:nvSpPr>
-          <p:cNvPr id="3" name="Rectangle 2">
-            <a:extLst>
-              <a:ext uri="{FF2B5EF4-FFF2-40B4-BE49-F238E27FC236}">
-                <a16:creationId xmlns:a16="http://schemas.microsoft.com/office/drawing/2014/main" id="{1ACF0AF9-6D73-968F-7EC8-FC9216270E0C}"/>
-              </a:ext>
-            </a:extLst>
-          </p:cNvPr>
-          <p:cNvSpPr/>
-          <p:nvPr/>
-        </p:nvSpPr>
-        <p:spPr>
-          <a:xfrm>
-            <a:off x="11133206" y="15168645"/>
-            <a:ext cx="4457701" cy="4635737"/>
-          </a:xfrm>
-          <a:prstGeom prst="rect">
-            <a:avLst/>
-          </a:prstGeom>
-          <a:noFill/>
-          <a:ln w="88900">
+        </p:grpSpPr>
+        <p:sp>
+          <p:nvSpPr>
+            <p:cNvPr id="25" name="Rectangle 24">
+              <a:extLst>
+                <a:ext uri="{FF2B5EF4-FFF2-40B4-BE49-F238E27FC236}">
+                  <a16:creationId xmlns:a16="http://schemas.microsoft.com/office/drawing/2014/main" id="{8067355D-A229-513C-95C3-7FF3FA990003}"/>
+                </a:ext>
+              </a:extLst>
+            </p:cNvPr>
+            <p:cNvSpPr/>
+            <p:nvPr/>
+          </p:nvSpPr>
+          <p:spPr>
+            <a:xfrm>
+              <a:off x="2407750" y="1709530"/>
+              <a:ext cx="22917154" cy="18094852"/>
+            </a:xfrm>
+            <a:prstGeom prst="rect">
+              <a:avLst/>
+            </a:prstGeom>
             <a:solidFill>
+              <a:schemeClr val="bg1"/>
+            </a:solidFill>
+            <a:ln>
+              <a:noFill/>
+            </a:ln>
+          </p:spPr>
+          <p:style>
+            <a:lnRef idx="2">
+              <a:schemeClr val="accent1">
+                <a:shade val="15000"/>
+              </a:schemeClr>
+            </a:lnRef>
+            <a:fillRef idx="1">
+              <a:schemeClr val="accent1"/>
+            </a:fillRef>
+            <a:effectRef idx="0">
+              <a:schemeClr val="accent1"/>
+            </a:effectRef>
+            <a:fontRef idx="minor">
+              <a:schemeClr val="lt1"/>
+            </a:fontRef>
+          </p:style>
+          <p:txBody>
+            <a:bodyPr rtlCol="0" anchor="ctr"/>
+            <a:lstStyle/>
+            <a:p>
+              <a:pPr algn="ctr"/>
+              <a:endParaRPr lang="en-US"/>
+            </a:p>
+          </p:txBody>
+        </p:sp>
+        <p:pic>
+          <p:nvPicPr>
+            <p:cNvPr id="13" name="Picture 12">
+              <a:extLst>
+                <a:ext uri="{FF2B5EF4-FFF2-40B4-BE49-F238E27FC236}">
+                  <a16:creationId xmlns:a16="http://schemas.microsoft.com/office/drawing/2014/main" id="{500F9F37-D5B5-556C-E22A-9AE215A40160}"/>
+                </a:ext>
+              </a:extLst>
+            </p:cNvPr>
+            <p:cNvPicPr>
+              <a:picLocks noChangeAspect="1"/>
+            </p:cNvPicPr>
+            <p:nvPr/>
+          </p:nvPicPr>
+          <p:blipFill>
+            <a:blip r:embed="rId2"/>
+            <a:stretch>
+              <a:fillRect/>
+            </a:stretch>
+          </p:blipFill>
+          <p:spPr>
+            <a:xfrm>
+              <a:off x="18407210" y="15087005"/>
+              <a:ext cx="6617040" cy="4635738"/>
+            </a:xfrm>
+            <a:prstGeom prst="rect">
+              <a:avLst/>
+            </a:prstGeom>
+          </p:spPr>
+        </p:pic>
+        <p:pic>
+          <p:nvPicPr>
+            <p:cNvPr id="7" name="Picture 6">
+              <a:extLst>
+                <a:ext uri="{FF2B5EF4-FFF2-40B4-BE49-F238E27FC236}">
+                  <a16:creationId xmlns:a16="http://schemas.microsoft.com/office/drawing/2014/main" id="{DBB0109D-760A-5453-77BF-F44E2B06317D}"/>
+                </a:ext>
+              </a:extLst>
+            </p:cNvPr>
+            <p:cNvPicPr>
+              <a:picLocks noChangeAspect="1"/>
+            </p:cNvPicPr>
+            <p:nvPr/>
+          </p:nvPicPr>
+          <p:blipFill>
+            <a:blip r:embed="rId2"/>
+            <a:stretch>
+              <a:fillRect/>
+            </a:stretch>
+          </p:blipFill>
+          <p:spPr>
+            <a:xfrm>
+              <a:off x="2519529" y="15087005"/>
+              <a:ext cx="6617040" cy="4635738"/>
+            </a:xfrm>
+            <a:prstGeom prst="rect">
+              <a:avLst/>
+            </a:prstGeom>
+          </p:spPr>
+        </p:pic>
+        <p:sp>
+          <p:nvSpPr>
+            <p:cNvPr id="3" name="Rectangle 2">
+              <a:extLst>
+                <a:ext uri="{FF2B5EF4-FFF2-40B4-BE49-F238E27FC236}">
+                  <a16:creationId xmlns:a16="http://schemas.microsoft.com/office/drawing/2014/main" id="{1ACF0AF9-6D73-968F-7EC8-FC9216270E0C}"/>
+                </a:ext>
+              </a:extLst>
+            </p:cNvPr>
+            <p:cNvSpPr/>
+            <p:nvPr/>
+          </p:nvSpPr>
+          <p:spPr>
+            <a:xfrm>
+              <a:off x="11133206" y="15168645"/>
+              <a:ext cx="4457701" cy="4635737"/>
+            </a:xfrm>
+            <a:prstGeom prst="rect">
+              <a:avLst/>
+            </a:prstGeom>
+            <a:noFill/>
+            <a:ln w="88900">
+              <a:solidFill>
+                <a:schemeClr val="tx1"/>
+              </a:solidFill>
+            </a:ln>
+          </p:spPr>
+          <p:style>
+            <a:lnRef idx="2">
+              <a:schemeClr val="accent1">
+                <a:shade val="15000"/>
+              </a:schemeClr>
+            </a:lnRef>
+            <a:fillRef idx="1">
+              <a:schemeClr val="accent1"/>
+            </a:fillRef>
+            <a:effectRef idx="0">
+              <a:schemeClr val="accent1"/>
+            </a:effectRef>
+            <a:fontRef idx="minor">
+              <a:schemeClr val="lt1"/>
+            </a:fontRef>
+          </p:style>
+          <p:txBody>
+            <a:bodyPr rtlCol="0" anchor="ctr"/>
+            <a:lstStyle/>
+            <a:p>
+              <a:pPr algn="ctr"/>
+              <a:endParaRPr lang="en-US" dirty="0"/>
+            </a:p>
+          </p:txBody>
+        </p:sp>
+        <p:sp>
+          <p:nvSpPr>
+            <p:cNvPr id="4" name="TextBox 3">
+              <a:extLst>
+                <a:ext uri="{FF2B5EF4-FFF2-40B4-BE49-F238E27FC236}">
+                  <a16:creationId xmlns:a16="http://schemas.microsoft.com/office/drawing/2014/main" id="{31243C9D-2FBB-6A03-919A-E220F5457CE3}"/>
+                </a:ext>
+              </a:extLst>
+            </p:cNvPr>
+            <p:cNvSpPr txBox="1"/>
+            <p:nvPr/>
+          </p:nvSpPr>
+          <p:spPr>
+            <a:xfrm>
+              <a:off x="11133206" y="15295775"/>
+              <a:ext cx="3973731" cy="523220"/>
+            </a:xfrm>
+            <a:prstGeom prst="rect">
+              <a:avLst/>
+            </a:prstGeom>
+            <a:noFill/>
+          </p:spPr>
+          <p:txBody>
+            <a:bodyPr wrap="square" rtlCol="0">
+              <a:spAutoFit/>
+            </a:bodyPr>
+            <a:lstStyle/>
+            <a:p>
+              <a:r>
+                <a:rPr lang="en-US" sz="2800" dirty="0"/>
+                <a:t>CT  : 2.16.840.1.114362…</a:t>
+              </a:r>
+            </a:p>
+          </p:txBody>
+        </p:sp>
+        <p:sp>
+          <p:nvSpPr>
+            <p:cNvPr id="5" name="TextBox 4">
+              <a:extLst>
+                <a:ext uri="{FF2B5EF4-FFF2-40B4-BE49-F238E27FC236}">
+                  <a16:creationId xmlns:a16="http://schemas.microsoft.com/office/drawing/2014/main" id="{71D73429-B126-E572-89C1-F30BE12939D2}"/>
+                </a:ext>
+              </a:extLst>
+            </p:cNvPr>
+            <p:cNvSpPr txBox="1"/>
+            <p:nvPr/>
+          </p:nvSpPr>
+          <p:spPr>
+            <a:xfrm>
+              <a:off x="11133205" y="15859356"/>
+              <a:ext cx="3973731" cy="523220"/>
+            </a:xfrm>
+            <a:prstGeom prst="rect">
+              <a:avLst/>
+            </a:prstGeom>
+            <a:noFill/>
+          </p:spPr>
+          <p:txBody>
+            <a:bodyPr wrap="square" rtlCol="0">
+              <a:spAutoFit/>
+            </a:bodyPr>
+            <a:lstStyle/>
+            <a:p>
+              <a:r>
+                <a:rPr lang="en-US" sz="2800" dirty="0"/>
+                <a:t>MR : 1.11.40.1.1234122…</a:t>
+              </a:r>
+            </a:p>
+          </p:txBody>
+        </p:sp>
+        <p:sp>
+          <p:nvSpPr>
+            <p:cNvPr id="6" name="TextBox 5">
+              <a:extLst>
+                <a:ext uri="{FF2B5EF4-FFF2-40B4-BE49-F238E27FC236}">
+                  <a16:creationId xmlns:a16="http://schemas.microsoft.com/office/drawing/2014/main" id="{C95837FA-5395-D567-EB91-A0838A09B7D7}"/>
+                </a:ext>
+              </a:extLst>
+            </p:cNvPr>
+            <p:cNvSpPr txBox="1"/>
+            <p:nvPr/>
+          </p:nvSpPr>
+          <p:spPr>
+            <a:xfrm rot="5400000">
+              <a:off x="11790639" y="17727729"/>
+              <a:ext cx="3142834" cy="707886"/>
+            </a:xfrm>
+            <a:prstGeom prst="rect">
+              <a:avLst/>
+            </a:prstGeom>
+            <a:noFill/>
+          </p:spPr>
+          <p:txBody>
+            <a:bodyPr wrap="square" rtlCol="0">
+              <a:spAutoFit/>
+            </a:bodyPr>
+            <a:lstStyle/>
+            <a:p>
+              <a:r>
+                <a:rPr lang="en-US" sz="4000" dirty="0"/>
+                <a:t>…………………</a:t>
+              </a:r>
+            </a:p>
+          </p:txBody>
+        </p:sp>
+        <p:sp>
+          <p:nvSpPr>
+            <p:cNvPr id="9" name="TextBox 8">
+              <a:extLst>
+                <a:ext uri="{FF2B5EF4-FFF2-40B4-BE49-F238E27FC236}">
+                  <a16:creationId xmlns:a16="http://schemas.microsoft.com/office/drawing/2014/main" id="{44F8E320-4DD8-A6A9-8003-ABFA21800EC1}"/>
+                </a:ext>
+              </a:extLst>
+            </p:cNvPr>
+            <p:cNvSpPr txBox="1"/>
+            <p:nvPr/>
+          </p:nvSpPr>
+          <p:spPr>
+            <a:xfrm>
+              <a:off x="10796194" y="13253630"/>
+              <a:ext cx="4794713" cy="1569660"/>
+            </a:xfrm>
+            <a:prstGeom prst="rect">
+              <a:avLst/>
+            </a:prstGeom>
+            <a:noFill/>
+          </p:spPr>
+          <p:txBody>
+            <a:bodyPr wrap="square" rtlCol="0">
+              <a:spAutoFit/>
+            </a:bodyPr>
+            <a:lstStyle/>
+            <a:p>
+              <a:pPr algn="ctr"/>
+              <a:r>
+                <a:rPr lang="en-US" sz="3200" dirty="0"/>
+                <a:t>Group images based on their unique series instance UID and modality</a:t>
+              </a:r>
+            </a:p>
+          </p:txBody>
+        </p:sp>
+        <p:sp>
+          <p:nvSpPr>
+            <p:cNvPr id="8" name="Arrow: Right 7">
+              <a:extLst>
+                <a:ext uri="{FF2B5EF4-FFF2-40B4-BE49-F238E27FC236}">
+                  <a16:creationId xmlns:a16="http://schemas.microsoft.com/office/drawing/2014/main" id="{AC3DE339-6A0A-BAF5-3829-49A7839FE983}"/>
+                </a:ext>
+              </a:extLst>
+            </p:cNvPr>
+            <p:cNvSpPr/>
+            <p:nvPr/>
+          </p:nvSpPr>
+          <p:spPr>
+            <a:xfrm>
+              <a:off x="7222594" y="16054210"/>
+              <a:ext cx="4339140" cy="2716673"/>
+            </a:xfrm>
+            <a:prstGeom prst="rightArrow">
+              <a:avLst/>
+            </a:prstGeom>
+          </p:spPr>
+          <p:style>
+            <a:lnRef idx="2">
+              <a:schemeClr val="accent1">
+                <a:shade val="15000"/>
+              </a:schemeClr>
+            </a:lnRef>
+            <a:fillRef idx="1">
+              <a:schemeClr val="accent1"/>
+            </a:fillRef>
+            <a:effectRef idx="0">
+              <a:schemeClr val="accent1"/>
+            </a:effectRef>
+            <a:fontRef idx="minor">
+              <a:schemeClr val="lt1"/>
+            </a:fontRef>
+          </p:style>
+          <p:txBody>
+            <a:bodyPr rtlCol="0" anchor="ctr"/>
+            <a:lstStyle/>
+            <a:p>
+              <a:pPr algn="ctr"/>
+              <a:r>
+                <a:rPr lang="en-US" sz="3600" dirty="0"/>
+                <a:t>Step 1: Characterize</a:t>
+              </a:r>
+            </a:p>
+          </p:txBody>
+        </p:sp>
+        <p:sp>
+          <p:nvSpPr>
+            <p:cNvPr id="10" name="TextBox 9">
+              <a:extLst>
+                <a:ext uri="{FF2B5EF4-FFF2-40B4-BE49-F238E27FC236}">
+                  <a16:creationId xmlns:a16="http://schemas.microsoft.com/office/drawing/2014/main" id="{2A5F3405-380E-C822-F553-D829EFCF749B}"/>
+                </a:ext>
+              </a:extLst>
+            </p:cNvPr>
+            <p:cNvSpPr txBox="1"/>
+            <p:nvPr/>
+          </p:nvSpPr>
+          <p:spPr>
+            <a:xfrm>
+              <a:off x="3430692" y="13171987"/>
+              <a:ext cx="4794713" cy="1569660"/>
+            </a:xfrm>
+            <a:prstGeom prst="rect">
+              <a:avLst/>
+            </a:prstGeom>
+            <a:noFill/>
+          </p:spPr>
+          <p:txBody>
+            <a:bodyPr wrap="square" rtlCol="0">
+              <a:spAutoFit/>
+            </a:bodyPr>
+            <a:lstStyle/>
+            <a:p>
+              <a:pPr algn="ctr"/>
+              <a:r>
+                <a:rPr lang="en-US" sz="3200" dirty="0"/>
+                <a:t>Selected folder with many DICOM images and modalities</a:t>
+              </a:r>
+            </a:p>
+          </p:txBody>
+        </p:sp>
+        <p:sp>
+          <p:nvSpPr>
+            <p:cNvPr id="12" name="Arrow: Right 11">
+              <a:extLst>
+                <a:ext uri="{FF2B5EF4-FFF2-40B4-BE49-F238E27FC236}">
+                  <a16:creationId xmlns:a16="http://schemas.microsoft.com/office/drawing/2014/main" id="{976D3D8D-717B-052E-8B3C-B5A19E15AE97}"/>
+                </a:ext>
+              </a:extLst>
+            </p:cNvPr>
+            <p:cNvSpPr/>
+            <p:nvPr/>
+          </p:nvSpPr>
+          <p:spPr>
+            <a:xfrm>
+              <a:off x="15106936" y="15946125"/>
+              <a:ext cx="4339140" cy="2716673"/>
+            </a:xfrm>
+            <a:prstGeom prst="rightArrow">
+              <a:avLst/>
+            </a:prstGeom>
+          </p:spPr>
+          <p:style>
+            <a:lnRef idx="2">
+              <a:schemeClr val="accent1">
+                <a:shade val="15000"/>
+              </a:schemeClr>
+            </a:lnRef>
+            <a:fillRef idx="1">
+              <a:schemeClr val="accent1"/>
+            </a:fillRef>
+            <a:effectRef idx="0">
+              <a:schemeClr val="accent1"/>
+            </a:effectRef>
+            <a:fontRef idx="minor">
+              <a:schemeClr val="lt1"/>
+            </a:fontRef>
+          </p:style>
+          <p:txBody>
+            <a:bodyPr rtlCol="0" anchor="ctr"/>
+            <a:lstStyle/>
+            <a:p>
+              <a:pPr algn="ctr"/>
+              <a:r>
+                <a:rPr lang="en-US" sz="3600" dirty="0"/>
+                <a:t>Step 2: </a:t>
+              </a:r>
+            </a:p>
+            <a:p>
+              <a:pPr algn="ctr"/>
+              <a:r>
+                <a:rPr lang="en-US" sz="3600" dirty="0"/>
+                <a:t>Change</a:t>
+              </a:r>
+            </a:p>
+          </p:txBody>
+        </p:sp>
+        <p:sp>
+          <p:nvSpPr>
+            <p:cNvPr id="14" name="TextBox 13">
+              <a:extLst>
+                <a:ext uri="{FF2B5EF4-FFF2-40B4-BE49-F238E27FC236}">
+                  <a16:creationId xmlns:a16="http://schemas.microsoft.com/office/drawing/2014/main" id="{AC5674C2-3852-A3B4-0662-811AFE337E8D}"/>
+                </a:ext>
+              </a:extLst>
+            </p:cNvPr>
+            <p:cNvSpPr txBox="1"/>
+            <p:nvPr/>
+          </p:nvSpPr>
+          <p:spPr>
+            <a:xfrm>
+              <a:off x="19318373" y="13171987"/>
+              <a:ext cx="4794713" cy="1569660"/>
+            </a:xfrm>
+            <a:prstGeom prst="rect">
+              <a:avLst/>
+            </a:prstGeom>
+            <a:noFill/>
+          </p:spPr>
+          <p:txBody>
+            <a:bodyPr wrap="square" rtlCol="0">
+              <a:spAutoFit/>
+            </a:bodyPr>
+            <a:lstStyle/>
+            <a:p>
+              <a:pPr algn="ctr"/>
+              <a:r>
+                <a:rPr lang="en-US" sz="3200" dirty="0"/>
+                <a:t>Based on selected attributes and modalities, each group is changed</a:t>
+              </a:r>
+            </a:p>
+          </p:txBody>
+        </p:sp>
+        <p:pic>
+          <p:nvPicPr>
+            <p:cNvPr id="17" name="Picture 16">
+              <a:extLst>
+                <a:ext uri="{FF2B5EF4-FFF2-40B4-BE49-F238E27FC236}">
+                  <a16:creationId xmlns:a16="http://schemas.microsoft.com/office/drawing/2014/main" id="{29D85997-5A16-EE93-8497-43C45BD0A682}"/>
+                </a:ext>
+              </a:extLst>
+            </p:cNvPr>
+            <p:cNvPicPr>
+              <a:picLocks noChangeAspect="1"/>
+            </p:cNvPicPr>
+            <p:nvPr/>
+          </p:nvPicPr>
+          <p:blipFill>
+            <a:blip r:embed="rId3"/>
+            <a:stretch>
+              <a:fillRect/>
+            </a:stretch>
+          </p:blipFill>
+          <p:spPr>
+            <a:xfrm>
+              <a:off x="7102825" y="2102271"/>
+              <a:ext cx="13226349" cy="9373124"/>
+            </a:xfrm>
+            <a:prstGeom prst="rect">
+              <a:avLst/>
+            </a:prstGeom>
+            <a:ln w="63500">
+              <a:solidFill>
+                <a:schemeClr val="tx1"/>
+              </a:solidFill>
+            </a:ln>
+          </p:spPr>
+        </p:pic>
+        <p:cxnSp>
+          <p:nvCxnSpPr>
+            <p:cNvPr id="19" name="Connector: Curved 18">
+              <a:extLst>
+                <a:ext uri="{FF2B5EF4-FFF2-40B4-BE49-F238E27FC236}">
+                  <a16:creationId xmlns:a16="http://schemas.microsoft.com/office/drawing/2014/main" id="{005BDD64-7767-207D-D8B6-418E68EFFDBF}"/>
+                </a:ext>
+              </a:extLst>
+            </p:cNvPr>
+            <p:cNvCxnSpPr>
+              <a:cxnSpLocks/>
+              <a:stCxn id="17" idx="2"/>
+              <a:endCxn id="10" idx="0"/>
+            </p:cNvCxnSpPr>
+            <p:nvPr/>
+          </p:nvCxnSpPr>
+          <p:spPr>
+            <a:xfrm rot="5400000">
+              <a:off x="8923729" y="8379716"/>
+              <a:ext cx="1696592" cy="7887951"/>
+            </a:xfrm>
+            <a:prstGeom prst="curvedConnector3">
+              <a:avLst>
+                <a:gd name="adj1" fmla="val 50000"/>
+              </a:avLst>
+            </a:prstGeom>
+            <a:ln w="317500">
+              <a:tailEnd type="triangle"/>
+            </a:ln>
+          </p:spPr>
+          <p:style>
+            <a:lnRef idx="1">
+              <a:schemeClr val="accent1"/>
+            </a:lnRef>
+            <a:fillRef idx="0">
+              <a:schemeClr val="accent1"/>
+            </a:fillRef>
+            <a:effectRef idx="0">
+              <a:schemeClr val="accent1"/>
+            </a:effectRef>
+            <a:fontRef idx="minor">
               <a:schemeClr val="tx1"/>
-            </a:solidFill>
-          </a:ln>
-        </p:spPr>
-        <p:style>
-          <a:lnRef idx="2">
-            <a:schemeClr val="accent1">
-              <a:shade val="15000"/>
-            </a:schemeClr>
-          </a:lnRef>
-          <a:fillRef idx="1">
-            <a:schemeClr val="accent1"/>
-          </a:fillRef>
-          <a:effectRef idx="0">
-            <a:schemeClr val="accent1"/>
-          </a:effectRef>
-          <a:fontRef idx="minor">
-            <a:schemeClr val="lt1"/>
-          </a:fontRef>
-        </p:style>
-        <p:txBody>
-          <a:bodyPr rtlCol="0" anchor="ctr"/>
-          <a:lstStyle/>
-          <a:p>
-            <a:pPr algn="ctr"/>
-            <a:endParaRPr lang="en-US" dirty="0"/>
-          </a:p>
-        </p:txBody>
-      </p:sp>
-      <p:sp>
-        <p:nvSpPr>
-          <p:cNvPr id="4" name="TextBox 3">
-            <a:extLst>
-              <a:ext uri="{FF2B5EF4-FFF2-40B4-BE49-F238E27FC236}">
-                <a16:creationId xmlns:a16="http://schemas.microsoft.com/office/drawing/2014/main" id="{31243C9D-2FBB-6A03-919A-E220F5457CE3}"/>
-              </a:ext>
-            </a:extLst>
-          </p:cNvPr>
-          <p:cNvSpPr txBox="1"/>
-          <p:nvPr/>
-        </p:nvSpPr>
-        <p:spPr>
-          <a:xfrm>
-            <a:off x="11133206" y="15295775"/>
-            <a:ext cx="3973731" cy="523220"/>
-          </a:xfrm>
-          <a:prstGeom prst="rect">
-            <a:avLst/>
-          </a:prstGeom>
-          <a:noFill/>
-        </p:spPr>
-        <p:txBody>
-          <a:bodyPr wrap="square" rtlCol="0">
-            <a:spAutoFit/>
-          </a:bodyPr>
-          <a:lstStyle/>
-          <a:p>
-            <a:r>
-              <a:rPr lang="en-US" sz="2800" dirty="0"/>
-              <a:t>CT  : 2.16.840.1.114362…</a:t>
-            </a:r>
-          </a:p>
-        </p:txBody>
-      </p:sp>
-      <p:sp>
-        <p:nvSpPr>
-          <p:cNvPr id="5" name="TextBox 4">
-            <a:extLst>
-              <a:ext uri="{FF2B5EF4-FFF2-40B4-BE49-F238E27FC236}">
-                <a16:creationId xmlns:a16="http://schemas.microsoft.com/office/drawing/2014/main" id="{71D73429-B126-E572-89C1-F30BE12939D2}"/>
-              </a:ext>
-            </a:extLst>
-          </p:cNvPr>
-          <p:cNvSpPr txBox="1"/>
-          <p:nvPr/>
-        </p:nvSpPr>
-        <p:spPr>
-          <a:xfrm>
-            <a:off x="11133205" y="15859356"/>
-            <a:ext cx="3973731" cy="523220"/>
-          </a:xfrm>
-          <a:prstGeom prst="rect">
-            <a:avLst/>
-          </a:prstGeom>
-          <a:noFill/>
-        </p:spPr>
-        <p:txBody>
-          <a:bodyPr wrap="square" rtlCol="0">
-            <a:spAutoFit/>
-          </a:bodyPr>
-          <a:lstStyle/>
-          <a:p>
-            <a:r>
-              <a:rPr lang="en-US" sz="2800" dirty="0"/>
-              <a:t>MR : 1.11.40.1.1234122…</a:t>
-            </a:r>
-          </a:p>
-        </p:txBody>
-      </p:sp>
-      <p:sp>
-        <p:nvSpPr>
-          <p:cNvPr id="6" name="TextBox 5">
-            <a:extLst>
-              <a:ext uri="{FF2B5EF4-FFF2-40B4-BE49-F238E27FC236}">
-                <a16:creationId xmlns:a16="http://schemas.microsoft.com/office/drawing/2014/main" id="{C95837FA-5395-D567-EB91-A0838A09B7D7}"/>
-              </a:ext>
-            </a:extLst>
-          </p:cNvPr>
-          <p:cNvSpPr txBox="1"/>
-          <p:nvPr/>
-        </p:nvSpPr>
-        <p:spPr>
-          <a:xfrm rot="5400000">
-            <a:off x="11790639" y="17727729"/>
-            <a:ext cx="3142834" cy="707886"/>
-          </a:xfrm>
-          <a:prstGeom prst="rect">
-            <a:avLst/>
-          </a:prstGeom>
-          <a:noFill/>
-        </p:spPr>
-        <p:txBody>
-          <a:bodyPr wrap="square" rtlCol="0">
-            <a:spAutoFit/>
-          </a:bodyPr>
-          <a:lstStyle/>
-          <a:p>
-            <a:r>
-              <a:rPr lang="en-US" sz="4000" dirty="0"/>
-              <a:t>…………………</a:t>
-            </a:r>
-          </a:p>
-        </p:txBody>
-      </p:sp>
-      <p:sp>
-        <p:nvSpPr>
-          <p:cNvPr id="9" name="TextBox 8">
-            <a:extLst>
-              <a:ext uri="{FF2B5EF4-FFF2-40B4-BE49-F238E27FC236}">
-                <a16:creationId xmlns:a16="http://schemas.microsoft.com/office/drawing/2014/main" id="{44F8E320-4DD8-A6A9-8003-ABFA21800EC1}"/>
-              </a:ext>
-            </a:extLst>
-          </p:cNvPr>
-          <p:cNvSpPr txBox="1"/>
-          <p:nvPr/>
-        </p:nvSpPr>
-        <p:spPr>
-          <a:xfrm>
-            <a:off x="10796194" y="13253630"/>
-            <a:ext cx="4794713" cy="1569660"/>
-          </a:xfrm>
-          <a:prstGeom prst="rect">
-            <a:avLst/>
-          </a:prstGeom>
-          <a:noFill/>
-        </p:spPr>
-        <p:txBody>
-          <a:bodyPr wrap="square" rtlCol="0">
-            <a:spAutoFit/>
-          </a:bodyPr>
-          <a:lstStyle/>
-          <a:p>
-            <a:pPr algn="ctr"/>
-            <a:r>
-              <a:rPr lang="en-US" sz="3200" dirty="0"/>
-              <a:t>Group images based on their unique series instance UID and modality</a:t>
-            </a:r>
-          </a:p>
-        </p:txBody>
-      </p:sp>
-      <p:sp>
-        <p:nvSpPr>
-          <p:cNvPr id="8" name="Arrow: Right 7">
-            <a:extLst>
-              <a:ext uri="{FF2B5EF4-FFF2-40B4-BE49-F238E27FC236}">
-                <a16:creationId xmlns:a16="http://schemas.microsoft.com/office/drawing/2014/main" id="{AC3DE339-6A0A-BAF5-3829-49A7839FE983}"/>
-              </a:ext>
-            </a:extLst>
-          </p:cNvPr>
-          <p:cNvSpPr/>
-          <p:nvPr/>
-        </p:nvSpPr>
-        <p:spPr>
-          <a:xfrm>
-            <a:off x="7222594" y="16054210"/>
-            <a:ext cx="4339140" cy="2716673"/>
-          </a:xfrm>
-          <a:prstGeom prst="rightArrow">
-            <a:avLst/>
-          </a:prstGeom>
-        </p:spPr>
-        <p:style>
-          <a:lnRef idx="2">
-            <a:schemeClr val="accent1">
-              <a:shade val="15000"/>
-            </a:schemeClr>
-          </a:lnRef>
-          <a:fillRef idx="1">
-            <a:schemeClr val="accent1"/>
-          </a:fillRef>
-          <a:effectRef idx="0">
-            <a:schemeClr val="accent1"/>
-          </a:effectRef>
-          <a:fontRef idx="minor">
-            <a:schemeClr val="lt1"/>
-          </a:fontRef>
-        </p:style>
-        <p:txBody>
-          <a:bodyPr rtlCol="0" anchor="ctr"/>
-          <a:lstStyle/>
-          <a:p>
-            <a:pPr algn="ctr"/>
-            <a:r>
-              <a:rPr lang="en-US" sz="3600" dirty="0"/>
-              <a:t>Step 1: Characterize</a:t>
-            </a:r>
-          </a:p>
-        </p:txBody>
-      </p:sp>
-      <p:sp>
-        <p:nvSpPr>
-          <p:cNvPr id="10" name="TextBox 9">
-            <a:extLst>
-              <a:ext uri="{FF2B5EF4-FFF2-40B4-BE49-F238E27FC236}">
-                <a16:creationId xmlns:a16="http://schemas.microsoft.com/office/drawing/2014/main" id="{2A5F3405-380E-C822-F553-D829EFCF749B}"/>
-              </a:ext>
-            </a:extLst>
-          </p:cNvPr>
-          <p:cNvSpPr txBox="1"/>
-          <p:nvPr/>
-        </p:nvSpPr>
-        <p:spPr>
-          <a:xfrm>
-            <a:off x="3430692" y="13171987"/>
-            <a:ext cx="4794713" cy="1569660"/>
-          </a:xfrm>
-          <a:prstGeom prst="rect">
-            <a:avLst/>
-          </a:prstGeom>
-          <a:noFill/>
-        </p:spPr>
-        <p:txBody>
-          <a:bodyPr wrap="square" rtlCol="0">
-            <a:spAutoFit/>
-          </a:bodyPr>
-          <a:lstStyle/>
-          <a:p>
-            <a:pPr algn="ctr"/>
-            <a:r>
-              <a:rPr lang="en-US" sz="3200" dirty="0"/>
-              <a:t>Selected folder with many DICOM images and modalities</a:t>
-            </a:r>
-          </a:p>
-        </p:txBody>
-      </p:sp>
-      <p:sp>
-        <p:nvSpPr>
-          <p:cNvPr id="12" name="Arrow: Right 11">
-            <a:extLst>
-              <a:ext uri="{FF2B5EF4-FFF2-40B4-BE49-F238E27FC236}">
-                <a16:creationId xmlns:a16="http://schemas.microsoft.com/office/drawing/2014/main" id="{976D3D8D-717B-052E-8B3C-B5A19E15AE97}"/>
-              </a:ext>
-            </a:extLst>
-          </p:cNvPr>
-          <p:cNvSpPr/>
-          <p:nvPr/>
-        </p:nvSpPr>
-        <p:spPr>
-          <a:xfrm>
-            <a:off x="15106936" y="15946125"/>
-            <a:ext cx="4339140" cy="2716673"/>
-          </a:xfrm>
-          <a:prstGeom prst="rightArrow">
-            <a:avLst/>
-          </a:prstGeom>
-        </p:spPr>
-        <p:style>
-          <a:lnRef idx="2">
-            <a:schemeClr val="accent1">
-              <a:shade val="15000"/>
-            </a:schemeClr>
-          </a:lnRef>
-          <a:fillRef idx="1">
-            <a:schemeClr val="accent1"/>
-          </a:fillRef>
-          <a:effectRef idx="0">
-            <a:schemeClr val="accent1"/>
-          </a:effectRef>
-          <a:fontRef idx="minor">
-            <a:schemeClr val="lt1"/>
-          </a:fontRef>
-        </p:style>
-        <p:txBody>
-          <a:bodyPr rtlCol="0" anchor="ctr"/>
-          <a:lstStyle/>
-          <a:p>
-            <a:pPr algn="ctr"/>
-            <a:r>
-              <a:rPr lang="en-US" sz="3600" dirty="0"/>
-              <a:t>Step 2: </a:t>
-            </a:r>
-          </a:p>
-          <a:p>
-            <a:pPr algn="ctr"/>
-            <a:r>
-              <a:rPr lang="en-US" sz="3600" dirty="0"/>
-              <a:t>Change</a:t>
-            </a:r>
-          </a:p>
-        </p:txBody>
-      </p:sp>
-      <p:sp>
-        <p:nvSpPr>
-          <p:cNvPr id="14" name="TextBox 13">
-            <a:extLst>
-              <a:ext uri="{FF2B5EF4-FFF2-40B4-BE49-F238E27FC236}">
-                <a16:creationId xmlns:a16="http://schemas.microsoft.com/office/drawing/2014/main" id="{AC5674C2-3852-A3B4-0662-811AFE337E8D}"/>
-              </a:ext>
-            </a:extLst>
-          </p:cNvPr>
-          <p:cNvSpPr txBox="1"/>
-          <p:nvPr/>
-        </p:nvSpPr>
-        <p:spPr>
-          <a:xfrm>
-            <a:off x="19318373" y="13171987"/>
-            <a:ext cx="4794713" cy="1569660"/>
-          </a:xfrm>
-          <a:prstGeom prst="rect">
-            <a:avLst/>
-          </a:prstGeom>
-          <a:noFill/>
-        </p:spPr>
-        <p:txBody>
-          <a:bodyPr wrap="square" rtlCol="0">
-            <a:spAutoFit/>
-          </a:bodyPr>
-          <a:lstStyle/>
-          <a:p>
-            <a:pPr algn="ctr"/>
-            <a:r>
-              <a:rPr lang="en-US" sz="3200" dirty="0"/>
-              <a:t>Based on selected attributes and modalities, each group is changed</a:t>
-            </a:r>
-          </a:p>
-        </p:txBody>
-      </p:sp>
-      <p:pic>
-        <p:nvPicPr>
-          <p:cNvPr id="17" name="Picture 16">
-            <a:extLst>
-              <a:ext uri="{FF2B5EF4-FFF2-40B4-BE49-F238E27FC236}">
-                <a16:creationId xmlns:a16="http://schemas.microsoft.com/office/drawing/2014/main" id="{29D85997-5A16-EE93-8497-43C45BD0A682}"/>
-              </a:ext>
-            </a:extLst>
-          </p:cNvPr>
-          <p:cNvPicPr>
-            <a:picLocks noChangeAspect="1"/>
-          </p:cNvPicPr>
-          <p:nvPr/>
-        </p:nvPicPr>
-        <p:blipFill>
-          <a:blip r:embed="rId3"/>
-          <a:stretch>
-            <a:fillRect/>
-          </a:stretch>
-        </p:blipFill>
-        <p:spPr>
-          <a:xfrm>
-            <a:off x="7102825" y="2102271"/>
-            <a:ext cx="13226349" cy="9373124"/>
-          </a:xfrm>
-          <a:prstGeom prst="rect">
-            <a:avLst/>
-          </a:prstGeom>
-          <a:ln w="63500">
-            <a:solidFill>
-              <a:schemeClr val="tx1"/>
-            </a:solidFill>
-          </a:ln>
-        </p:spPr>
-      </p:pic>
-      <p:cxnSp>
-        <p:nvCxnSpPr>
-          <p:cNvPr id="19" name="Connector: Curved 18">
-            <a:extLst>
-              <a:ext uri="{FF2B5EF4-FFF2-40B4-BE49-F238E27FC236}">
-                <a16:creationId xmlns:a16="http://schemas.microsoft.com/office/drawing/2014/main" id="{005BDD64-7767-207D-D8B6-418E68EFFDBF}"/>
-              </a:ext>
-            </a:extLst>
-          </p:cNvPr>
-          <p:cNvCxnSpPr>
-            <a:cxnSpLocks/>
-            <a:stCxn id="17" idx="2"/>
-            <a:endCxn id="10" idx="0"/>
-          </p:cNvCxnSpPr>
-          <p:nvPr/>
-        </p:nvCxnSpPr>
-        <p:spPr>
-          <a:xfrm rot="5400000">
-            <a:off x="8923729" y="8379716"/>
-            <a:ext cx="1696592" cy="7887951"/>
-          </a:xfrm>
-          <a:prstGeom prst="curvedConnector3">
-            <a:avLst>
-              <a:gd name="adj1" fmla="val 50000"/>
-            </a:avLst>
-          </a:prstGeom>
-          <a:ln w="317500">
-            <a:tailEnd type="triangle"/>
-          </a:ln>
-        </p:spPr>
-        <p:style>
-          <a:lnRef idx="1">
-            <a:schemeClr val="accent1"/>
-          </a:lnRef>
-          <a:fillRef idx="0">
-            <a:schemeClr val="accent1"/>
-          </a:fillRef>
-          <a:effectRef idx="0">
-            <a:schemeClr val="accent1"/>
-          </a:effectRef>
-          <a:fontRef idx="minor">
-            <a:schemeClr val="tx1"/>
-          </a:fontRef>
-        </p:style>
-      </p:cxnSp>
+            </a:fontRef>
+          </p:style>
+        </p:cxnSp>
+      </p:grpSp>
     </p:spTree>
     <p:extLst>
       <p:ext uri="{BB962C8B-B14F-4D97-AF65-F5344CB8AC3E}">
